--- a/Lightweight Impact Analysis using Island Grammar.pptx
+++ b/Lightweight Impact Analysis using Island Grammar.pptx
@@ -23,8 +23,7 @@
     <p:sldId id="268" r:id="rId17"/>
     <p:sldId id="273" r:id="rId18"/>
     <p:sldId id="274" r:id="rId19"/>
-    <p:sldId id="276" r:id="rId20"/>
-    <p:sldId id="275" r:id="rId21"/>
+    <p:sldId id="275" r:id="rId20"/>
   </p:sldIdLst>
   <p:sldSz cx="12192000" cy="6858000"/>
   <p:notesSz cx="6858000" cy="9144000"/>
@@ -853,7 +852,7 @@
           <a:p>
             <a:fld id="{6AC81A2F-9029-45A2-9772-CC0585158856}" type="datetimeFigureOut">
               <a:rPr lang="en-US" smtClean="0"/>
-              <a:t>3/3/2016</a:t>
+              <a:t>3/24/2016</a:t>
             </a:fld>
             <a:endParaRPr lang="en-US"/>
           </a:p>
@@ -1104,7 +1103,7 @@
           <a:p>
             <a:fld id="{6AC81A2F-9029-45A2-9772-CC0585158856}" type="datetimeFigureOut">
               <a:rPr lang="en-US" smtClean="0"/>
-              <a:t>3/3/2016</a:t>
+              <a:t>3/24/2016</a:t>
             </a:fld>
             <a:endParaRPr lang="en-US"/>
           </a:p>
@@ -1418,7 +1417,7 @@
           <a:p>
             <a:fld id="{6AC81A2F-9029-45A2-9772-CC0585158856}" type="datetimeFigureOut">
               <a:rPr lang="en-US" smtClean="0"/>
-              <a:t>3/3/2016</a:t>
+              <a:t>3/24/2016</a:t>
             </a:fld>
             <a:endParaRPr lang="en-US"/>
           </a:p>
@@ -1759,7 +1758,7 @@
           <a:p>
             <a:fld id="{6AC81A2F-9029-45A2-9772-CC0585158856}" type="datetimeFigureOut">
               <a:rPr lang="en-US" smtClean="0"/>
-              <a:t>3/3/2016</a:t>
+              <a:t>3/24/2016</a:t>
             </a:fld>
             <a:endParaRPr lang="en-US"/>
           </a:p>
@@ -2073,7 +2072,7 @@
           <a:p>
             <a:fld id="{6AC81A2F-9029-45A2-9772-CC0585158856}" type="datetimeFigureOut">
               <a:rPr lang="en-US" smtClean="0"/>
-              <a:t>3/3/2016</a:t>
+              <a:t>3/24/2016</a:t>
             </a:fld>
             <a:endParaRPr lang="en-US"/>
           </a:p>
@@ -2466,7 +2465,7 @@
           <a:p>
             <a:fld id="{6AC81A2F-9029-45A2-9772-CC0585158856}" type="datetimeFigureOut">
               <a:rPr lang="en-US" smtClean="0"/>
-              <a:t>3/3/2016</a:t>
+              <a:t>3/24/2016</a:t>
             </a:fld>
             <a:endParaRPr lang="en-US"/>
           </a:p>
@@ -2636,7 +2635,7 @@
           <a:p>
             <a:fld id="{6AC81A2F-9029-45A2-9772-CC0585158856}" type="datetimeFigureOut">
               <a:rPr lang="en-US" smtClean="0"/>
-              <a:t>3/3/2016</a:t>
+              <a:t>3/24/2016</a:t>
             </a:fld>
             <a:endParaRPr lang="en-US"/>
           </a:p>
@@ -2816,7 +2815,7 @@
           <a:p>
             <a:fld id="{6AC81A2F-9029-45A2-9772-CC0585158856}" type="datetimeFigureOut">
               <a:rPr lang="en-US" smtClean="0"/>
-              <a:t>3/3/2016</a:t>
+              <a:t>3/24/2016</a:t>
             </a:fld>
             <a:endParaRPr lang="en-US"/>
           </a:p>
@@ -2992,7 +2991,7 @@
           <a:p>
             <a:fld id="{6AC81A2F-9029-45A2-9772-CC0585158856}" type="datetimeFigureOut">
               <a:rPr lang="en-US" smtClean="0"/>
-              <a:t>3/3/2016</a:t>
+              <a:t>3/24/2016</a:t>
             </a:fld>
             <a:endParaRPr lang="en-US"/>
           </a:p>
@@ -3239,7 +3238,7 @@
           <a:p>
             <a:fld id="{6AC81A2F-9029-45A2-9772-CC0585158856}" type="datetimeFigureOut">
               <a:rPr lang="en-US" smtClean="0"/>
-              <a:t>3/3/2016</a:t>
+              <a:t>3/24/2016</a:t>
             </a:fld>
             <a:endParaRPr lang="en-US"/>
           </a:p>
@@ -3471,7 +3470,7 @@
           <a:p>
             <a:fld id="{6AC81A2F-9029-45A2-9772-CC0585158856}" type="datetimeFigureOut">
               <a:rPr lang="en-US" smtClean="0"/>
-              <a:t>3/3/2016</a:t>
+              <a:t>3/24/2016</a:t>
             </a:fld>
             <a:endParaRPr lang="en-US"/>
           </a:p>
@@ -3845,7 +3844,7 @@
           <a:p>
             <a:fld id="{6AC81A2F-9029-45A2-9772-CC0585158856}" type="datetimeFigureOut">
               <a:rPr lang="en-US" smtClean="0"/>
-              <a:t>3/3/2016</a:t>
+              <a:t>3/24/2016</a:t>
             </a:fld>
             <a:endParaRPr lang="en-US"/>
           </a:p>
@@ -3968,7 +3967,7 @@
           <a:p>
             <a:fld id="{6AC81A2F-9029-45A2-9772-CC0585158856}" type="datetimeFigureOut">
               <a:rPr lang="en-US" smtClean="0"/>
-              <a:t>3/3/2016</a:t>
+              <a:t>3/24/2016</a:t>
             </a:fld>
             <a:endParaRPr lang="en-US"/>
           </a:p>
@@ -4063,7 +4062,7 @@
           <a:p>
             <a:fld id="{6AC81A2F-9029-45A2-9772-CC0585158856}" type="datetimeFigureOut">
               <a:rPr lang="en-US" smtClean="0"/>
-              <a:t>3/3/2016</a:t>
+              <a:t>3/24/2016</a:t>
             </a:fld>
             <a:endParaRPr lang="en-US"/>
           </a:p>
@@ -4318,7 +4317,7 @@
           <a:p>
             <a:fld id="{6AC81A2F-9029-45A2-9772-CC0585158856}" type="datetimeFigureOut">
               <a:rPr lang="en-US" smtClean="0"/>
-              <a:t>3/3/2016</a:t>
+              <a:t>3/24/2016</a:t>
             </a:fld>
             <a:endParaRPr lang="en-US"/>
           </a:p>
@@ -4581,7 +4580,7 @@
           <a:p>
             <a:fld id="{6AC81A2F-9029-45A2-9772-CC0585158856}" type="datetimeFigureOut">
               <a:rPr lang="en-US" smtClean="0"/>
-              <a:t>3/3/2016</a:t>
+              <a:t>3/24/2016</a:t>
             </a:fld>
             <a:endParaRPr lang="en-US"/>
           </a:p>
@@ -5324,7 +5323,7 @@
           <a:p>
             <a:fld id="{6AC81A2F-9029-45A2-9772-CC0585158856}" type="datetimeFigureOut">
               <a:rPr lang="en-US" smtClean="0"/>
-              <a:t>3/3/2016</a:t>
+              <a:t>3/24/2016</a:t>
             </a:fld>
             <a:endParaRPr lang="en-US"/>
           </a:p>
@@ -5992,15 +5991,15 @@
                   <a:schemeClr val="tx1"/>
                 </a:solidFill>
               </a:rPr>
-              <a:t>ACM November </a:t>
-            </a:r>
-            <a:r>
-              <a:rPr lang="en-US" sz="2000" b="1" dirty="0">
+              <a:t>IEEE</a:t>
+            </a:r>
+            <a:r>
+              <a:rPr lang="en-US" sz="2000" b="1" dirty="0" smtClean="0">
                 <a:solidFill>
                   <a:schemeClr val="tx1"/>
                 </a:solidFill>
               </a:rPr>
-              <a:t>16–22, </a:t>
+              <a:t> 2002</a:t>
             </a:r>
             <a:r>
               <a:rPr lang="en-US" sz="2000" b="1" dirty="0" smtClean="0">
@@ -6008,7 +6007,7 @@
                   <a:schemeClr val="tx1"/>
                 </a:solidFill>
               </a:rPr>
-              <a:t>2014</a:t>
+              <a:t/>
             </a:r>
             <a:br>
               <a:rPr lang="en-US" sz="2000" b="1" dirty="0" smtClean="0">
@@ -6566,7 +6565,7 @@
         </p:blipFill>
         <p:spPr bwMode="auto">
           <a:xfrm>
-            <a:off x="2582074" y="3966999"/>
+            <a:off x="626948" y="4053263"/>
             <a:ext cx="4348720" cy="2658087"/>
           </a:xfrm>
           <a:prstGeom prst="rect">
@@ -6582,6 +6581,45 @@
           </a:extLst>
         </p:spPr>
       </p:pic>
+      <p:sp>
+        <p:nvSpPr>
+          <p:cNvPr id="3" name="TextBox 2"/>
+          <p:cNvSpPr txBox="1"/>
+          <p:nvPr/>
+        </p:nvSpPr>
+        <p:spPr>
+          <a:xfrm>
+            <a:off x="5098212" y="4114800"/>
+            <a:ext cx="4295955" cy="1569660"/>
+          </a:xfrm>
+          <a:prstGeom prst="rect">
+            <a:avLst/>
+          </a:prstGeom>
+          <a:noFill/>
+        </p:spPr>
+        <p:txBody>
+          <a:bodyPr wrap="square" rtlCol="0">
+            <a:spAutoFit/>
+          </a:bodyPr>
+          <a:lstStyle/>
+          <a:p>
+            <a:r>
+              <a:rPr lang="en-US" sz="3200" dirty="0" smtClean="0"/>
+              <a:t>EX:</a:t>
+            </a:r>
+          </a:p>
+          <a:p>
+            <a:endParaRPr lang="en-US" sz="3200" dirty="0" smtClean="0"/>
+          </a:p>
+          <a:p>
+            <a:r>
+              <a:rPr lang="en-US" sz="3200" dirty="0" smtClean="0"/>
+              <a:t>IF C &gt; 10 AND C &lt; 20</a:t>
+            </a:r>
+            <a:endParaRPr lang="en-US" sz="3200" dirty="0"/>
+          </a:p>
+        </p:txBody>
+      </p:sp>
     </p:spTree>
     <p:extLst>
       <p:ext uri="{BB962C8B-B14F-4D97-AF65-F5344CB8AC3E}">
@@ -6671,37 +6709,8 @@
         </p:blipFill>
         <p:spPr bwMode="auto">
           <a:xfrm>
-            <a:off x="165557" y="1588223"/>
+            <a:off x="3147695" y="1458827"/>
             <a:ext cx="3655945" cy="2632754"/>
-          </a:xfrm>
-          <a:prstGeom prst="rect">
-            <a:avLst/>
-          </a:prstGeom>
-          <a:ln>
-            <a:noFill/>
-          </a:ln>
-          <a:extLst>
-            <a:ext uri="{53640926-AAD7-44D8-BBD7-CCE9431645EC}">
-              <a14:shadowObscured xmlns:a14="http://schemas.microsoft.com/office/drawing/2010/main"/>
-            </a:ext>
-          </a:extLst>
-        </p:spPr>
-      </p:pic>
-      <p:pic>
-        <p:nvPicPr>
-          <p:cNvPr id="5" name="Picture 4"/>
-          <p:cNvPicPr/>
-          <p:nvPr/>
-        </p:nvPicPr>
-        <p:blipFill rotWithShape="1">
-          <a:blip r:embed="rId3"/>
-          <a:srcRect l="44359" t="27123" r="35641" b="53276"/>
-          <a:stretch/>
-        </p:blipFill>
-        <p:spPr bwMode="auto">
-          <a:xfrm>
-            <a:off x="4433977" y="1588222"/>
-            <a:ext cx="3821502" cy="2371303"/>
           </a:xfrm>
           <a:prstGeom prst="rect">
             <a:avLst/>
@@ -7230,7 +7239,7 @@
           <a:p>
             <a:r>
               <a:rPr lang="en-US" dirty="0" smtClean="0"/>
-              <a:t>Questions</a:t>
+              <a:t>Question</a:t>
             </a:r>
             <a:endParaRPr lang="en-US" dirty="0"/>
           </a:p>
@@ -7261,7 +7270,7 @@
           <a:p>
             <a:r>
               <a:rPr lang="en-US" sz="2800" dirty="0" smtClean="0"/>
-              <a:t>What is Island Grammar</a:t>
+              <a:t>According to you, Why it is hard to parse the artifacts using common parser based approaches</a:t>
             </a:r>
             <a:endParaRPr lang="en-US" sz="2800" dirty="0"/>
           </a:p>
@@ -7319,236 +7328,6 @@
           <a:chExt cx="0" cy="0"/>
         </a:xfrm>
       </p:grpSpPr>
-      <p:sp>
-        <p:nvSpPr>
-          <p:cNvPr id="2" name="Title 1"/>
-          <p:cNvSpPr>
-            <a:spLocks noGrp="1"/>
-          </p:cNvSpPr>
-          <p:nvPr>
-            <p:ph type="title"/>
-          </p:nvPr>
-        </p:nvSpPr>
-        <p:spPr/>
-        <p:txBody>
-          <a:bodyPr/>
-          <a:lstStyle/>
-          <a:p>
-            <a:r>
-              <a:rPr lang="en-US" dirty="0" smtClean="0"/>
-              <a:t>Questions</a:t>
-            </a:r>
-            <a:endParaRPr lang="en-US" dirty="0"/>
-          </a:p>
-        </p:txBody>
-      </p:sp>
-      <p:sp>
-        <p:nvSpPr>
-          <p:cNvPr id="3" name="Content Placeholder 2"/>
-          <p:cNvSpPr>
-            <a:spLocks noGrp="1"/>
-          </p:cNvSpPr>
-          <p:nvPr>
-            <p:ph idx="1"/>
-          </p:nvPr>
-        </p:nvSpPr>
-        <p:spPr>
-          <a:xfrm>
-            <a:off x="677334" y="1440611"/>
-            <a:ext cx="8596668" cy="4600751"/>
-          </a:xfrm>
-        </p:spPr>
-        <p:txBody>
-          <a:bodyPr>
-            <a:normAutofit/>
-          </a:bodyPr>
-          <a:lstStyle/>
-          <a:p>
-            <a:r>
-              <a:rPr lang="en-US" sz="2800" dirty="0" smtClean="0"/>
-              <a:t>Summarize</a:t>
-            </a:r>
-          </a:p>
-          <a:p>
-            <a:endParaRPr lang="en-US" sz="2400" dirty="0"/>
-          </a:p>
-        </p:txBody>
-      </p:sp>
-      <p:pic>
-        <p:nvPicPr>
-          <p:cNvPr id="4" name="Content Placeholder 3"/>
-          <p:cNvPicPr>
-            <a:picLocks/>
-          </p:cNvPicPr>
-          <p:nvPr/>
-        </p:nvPicPr>
-        <p:blipFill rotWithShape="1">
-          <a:blip r:embed="rId2"/>
-          <a:srcRect l="23590" t="22792" r="56538" b="50314"/>
-          <a:stretch/>
-        </p:blipFill>
-        <p:spPr bwMode="auto">
-          <a:xfrm>
-            <a:off x="1494025" y="1930400"/>
-            <a:ext cx="5381228" cy="3935562"/>
-          </a:xfrm>
-          <a:prstGeom prst="rect">
-            <a:avLst/>
-          </a:prstGeom>
-          <a:ln>
-            <a:noFill/>
-          </a:ln>
-          <a:extLst>
-            <a:ext uri="{53640926-AAD7-44D8-BBD7-CCE9431645EC}">
-              <a14:shadowObscured xmlns:a14="http://schemas.microsoft.com/office/drawing/2010/main"/>
-            </a:ext>
-          </a:extLst>
-        </p:spPr>
-      </p:pic>
-    </p:spTree>
-    <p:extLst>
-      <p:ext uri="{BB962C8B-B14F-4D97-AF65-F5344CB8AC3E}">
-        <p14:creationId xmlns:p14="http://schemas.microsoft.com/office/powerpoint/2010/main" val="490891377"/>
-      </p:ext>
-    </p:extLst>
-  </p:cSld>
-  <p:clrMapOvr>
-    <a:masterClrMapping/>
-  </p:clrMapOvr>
-</p:sld>
-</file>
-
-<file path=ppt/slides/slide2.xml><?xml version="1.0" encoding="utf-8"?>
-<p:sld xmlns:a="http://schemas.openxmlformats.org/drawingml/2006/main" xmlns:r="http://schemas.openxmlformats.org/officeDocument/2006/relationships" xmlns:p="http://schemas.openxmlformats.org/presentationml/2006/main">
-  <p:cSld>
-    <p:spTree>
-      <p:nvGrpSpPr>
-        <p:cNvPr id="1" name=""/>
-        <p:cNvGrpSpPr/>
-        <p:nvPr/>
-      </p:nvGrpSpPr>
-      <p:grpSpPr>
-        <a:xfrm>
-          <a:off x="0" y="0"/>
-          <a:ext cx="0" cy="0"/>
-          <a:chOff x="0" y="0"/>
-          <a:chExt cx="0" cy="0"/>
-        </a:xfrm>
-      </p:grpSpPr>
-      <p:sp>
-        <p:nvSpPr>
-          <p:cNvPr id="2" name="Title 1"/>
-          <p:cNvSpPr>
-            <a:spLocks noGrp="1"/>
-          </p:cNvSpPr>
-          <p:nvPr>
-            <p:ph type="title"/>
-          </p:nvPr>
-        </p:nvSpPr>
-        <p:spPr/>
-        <p:txBody>
-          <a:bodyPr/>
-          <a:lstStyle/>
-          <a:p>
-            <a:r>
-              <a:rPr lang="en-US" dirty="0" smtClean="0"/>
-              <a:t>Impact Analysis</a:t>
-            </a:r>
-            <a:endParaRPr lang="en-US" dirty="0"/>
-          </a:p>
-        </p:txBody>
-      </p:sp>
-      <p:sp>
-        <p:nvSpPr>
-          <p:cNvPr id="3" name="Content Placeholder 2"/>
-          <p:cNvSpPr>
-            <a:spLocks noGrp="1"/>
-          </p:cNvSpPr>
-          <p:nvPr>
-            <p:ph idx="1"/>
-          </p:nvPr>
-        </p:nvSpPr>
-        <p:spPr>
-          <a:xfrm>
-            <a:off x="677334" y="1630393"/>
-            <a:ext cx="8596668" cy="4410970"/>
-          </a:xfrm>
-        </p:spPr>
-        <p:txBody>
-          <a:bodyPr>
-            <a:noAutofit/>
-          </a:bodyPr>
-          <a:lstStyle/>
-          <a:p>
-            <a:r>
-              <a:rPr lang="en-US" sz="2800" dirty="0" smtClean="0"/>
-              <a:t>Planning and estimation of software maintenance</a:t>
-            </a:r>
-          </a:p>
-          <a:p>
-            <a:pPr marL="0" indent="0">
-              <a:buNone/>
-            </a:pPr>
-            <a:endParaRPr lang="en-US" sz="2800" dirty="0" smtClean="0"/>
-          </a:p>
-          <a:p>
-            <a:r>
-              <a:rPr lang="en-US" sz="2800" dirty="0" smtClean="0"/>
-              <a:t>Traditional Impact analysis was too expensive</a:t>
-            </a:r>
-          </a:p>
-          <a:p>
-            <a:pPr marL="0" indent="0">
-              <a:buNone/>
-            </a:pPr>
-            <a:endParaRPr lang="en-US" sz="2800" dirty="0" smtClean="0"/>
-          </a:p>
-          <a:p>
-            <a:r>
-              <a:rPr lang="en-US" sz="2800" dirty="0" smtClean="0"/>
-              <a:t>Need for Lightweight Impact Analysis</a:t>
-            </a:r>
-            <a:endParaRPr lang="en-US" sz="2800" dirty="0"/>
-          </a:p>
-        </p:txBody>
-      </p:sp>
-    </p:spTree>
-    <p:extLst>
-      <p:ext uri="{BB962C8B-B14F-4D97-AF65-F5344CB8AC3E}">
-        <p14:creationId xmlns:p14="http://schemas.microsoft.com/office/powerpoint/2010/main" val="3029052748"/>
-      </p:ext>
-    </p:extLst>
-  </p:cSld>
-  <p:clrMapOvr>
-    <a:masterClrMapping/>
-  </p:clrMapOvr>
-  <p:timing>
-    <p:tnLst>
-      <p:par>
-        <p:cTn id="1" dur="indefinite" restart="never" nodeType="tmRoot"/>
-      </p:par>
-    </p:tnLst>
-  </p:timing>
-</p:sld>
-</file>
-
-<file path=ppt/slides/slide20.xml><?xml version="1.0" encoding="utf-8"?>
-<p:sld xmlns:a="http://schemas.openxmlformats.org/drawingml/2006/main" xmlns:r="http://schemas.openxmlformats.org/officeDocument/2006/relationships" xmlns:p="http://schemas.openxmlformats.org/presentationml/2006/main">
-  <p:cSld>
-    <p:spTree>
-      <p:nvGrpSpPr>
-        <p:cNvPr id="1" name=""/>
-        <p:cNvGrpSpPr/>
-        <p:nvPr/>
-      </p:nvGrpSpPr>
-      <p:grpSpPr>
-        <a:xfrm>
-          <a:off x="0" y="0"/>
-          <a:ext cx="0" cy="0"/>
-          <a:chOff x="0" y="0"/>
-          <a:chExt cx="0" cy="0"/>
-        </a:xfrm>
-      </p:grpSpPr>
       <p:pic>
         <p:nvPicPr>
           <p:cNvPr id="1026" name="Picture 2" descr="http://www.sherv.net/cm/emoticons/thanks/signboard-thank-you-smiley-emoticon.gif"/>
@@ -7596,6 +7375,120 @@
     <p:extLst>
       <p:ext uri="{BB962C8B-B14F-4D97-AF65-F5344CB8AC3E}">
         <p14:creationId xmlns:p14="http://schemas.microsoft.com/office/powerpoint/2010/main" val="1058201077"/>
+      </p:ext>
+    </p:extLst>
+  </p:cSld>
+  <p:clrMapOvr>
+    <a:masterClrMapping/>
+  </p:clrMapOvr>
+  <p:timing>
+    <p:tnLst>
+      <p:par>
+        <p:cTn id="1" dur="indefinite" restart="never" nodeType="tmRoot"/>
+      </p:par>
+    </p:tnLst>
+  </p:timing>
+</p:sld>
+</file>
+
+<file path=ppt/slides/slide2.xml><?xml version="1.0" encoding="utf-8"?>
+<p:sld xmlns:a="http://schemas.openxmlformats.org/drawingml/2006/main" xmlns:r="http://schemas.openxmlformats.org/officeDocument/2006/relationships" xmlns:p="http://schemas.openxmlformats.org/presentationml/2006/main">
+  <p:cSld>
+    <p:spTree>
+      <p:nvGrpSpPr>
+        <p:cNvPr id="1" name=""/>
+        <p:cNvGrpSpPr/>
+        <p:nvPr/>
+      </p:nvGrpSpPr>
+      <p:grpSpPr>
+        <a:xfrm>
+          <a:off x="0" y="0"/>
+          <a:ext cx="0" cy="0"/>
+          <a:chOff x="0" y="0"/>
+          <a:chExt cx="0" cy="0"/>
+        </a:xfrm>
+      </p:grpSpPr>
+      <p:sp>
+        <p:nvSpPr>
+          <p:cNvPr id="2" name="Title 1"/>
+          <p:cNvSpPr>
+            <a:spLocks noGrp="1"/>
+          </p:cNvSpPr>
+          <p:nvPr>
+            <p:ph type="title"/>
+          </p:nvPr>
+        </p:nvSpPr>
+        <p:spPr/>
+        <p:txBody>
+          <a:bodyPr/>
+          <a:lstStyle/>
+          <a:p>
+            <a:r>
+              <a:rPr lang="en-US" dirty="0" smtClean="0"/>
+              <a:t>Impact Analysis</a:t>
+            </a:r>
+            <a:endParaRPr lang="en-US" dirty="0"/>
+          </a:p>
+        </p:txBody>
+      </p:sp>
+      <p:sp>
+        <p:nvSpPr>
+          <p:cNvPr id="3" name="Content Placeholder 2"/>
+          <p:cNvSpPr>
+            <a:spLocks noGrp="1"/>
+          </p:cNvSpPr>
+          <p:nvPr>
+            <p:ph idx="1"/>
+          </p:nvPr>
+        </p:nvSpPr>
+        <p:spPr>
+          <a:xfrm>
+            <a:off x="677334" y="1630393"/>
+            <a:ext cx="8596668" cy="4410970"/>
+          </a:xfrm>
+        </p:spPr>
+        <p:txBody>
+          <a:bodyPr>
+            <a:noAutofit/>
+          </a:bodyPr>
+          <a:lstStyle/>
+          <a:p>
+            <a:r>
+              <a:rPr lang="en-US" sz="2800" dirty="0" smtClean="0"/>
+              <a:t>Planning and estimation of software maintenance</a:t>
+            </a:r>
+          </a:p>
+          <a:p>
+            <a:pPr marL="0" indent="0">
+              <a:buNone/>
+            </a:pPr>
+            <a:endParaRPr lang="en-US" sz="2800" dirty="0" smtClean="0"/>
+          </a:p>
+          <a:p>
+            <a:r>
+              <a:rPr lang="en-US" sz="2800" dirty="0" smtClean="0"/>
+              <a:t>Traditional Impact analysis was too expensive</a:t>
+            </a:r>
+          </a:p>
+          <a:p>
+            <a:pPr marL="0" indent="0">
+              <a:buNone/>
+            </a:pPr>
+            <a:endParaRPr lang="en-US" sz="2800" dirty="0" smtClean="0"/>
+          </a:p>
+          <a:p>
+            <a:r>
+              <a:rPr lang="en-US" sz="2800" dirty="0" smtClean="0"/>
+              <a:t>Need for Lightweight Impact Analysis</a:t>
+            </a:r>
+            <a:endParaRPr lang="en-US" sz="2800" dirty="0"/>
+          </a:p>
+        </p:txBody>
+      </p:sp>
+    </p:spTree>
+    <p:extLst>
+      <p:ext uri="{BB962C8B-B14F-4D97-AF65-F5344CB8AC3E}">
+        <p14:creationId xmlns:p14="http://schemas.microsoft.com/office/powerpoint/2010/main" val="3029052748"/>
       </p:ext>
     </p:extLst>
   </p:cSld>
